--- a/presentaties/Space Freight week 2.pptx
+++ b/presentaties/Space Freight week 2.pptx
@@ -218,7 +218,7 @@
           <a:p>
             <a:fld id="{18DCCD61-643D-44A5-A450-3A42A50CBC1E}" type="datetimeFigureOut">
               <a:rPr lang="en-US" smtClean="0"/>
-              <a:t>4/19/18</a:t>
+              <a:t>4/20/18</a:t>
             </a:fld>
             <a:endParaRPr lang="en-US"/>
           </a:p>
@@ -493,7 +493,7 @@
           <a:p>
             <a:fld id="{18DCCD61-643D-44A5-A450-3A42A50CBC1E}" type="datetimeFigureOut">
               <a:rPr lang="en-US" smtClean="0"/>
-              <a:t>4/19/18</a:t>
+              <a:t>4/20/18</a:t>
             </a:fld>
             <a:endParaRPr lang="en-US"/>
           </a:p>
@@ -745,7 +745,7 @@
           <a:p>
             <a:fld id="{18DCCD61-643D-44A5-A450-3A42A50CBC1E}" type="datetimeFigureOut">
               <a:rPr lang="en-US" smtClean="0"/>
-              <a:t>4/19/18</a:t>
+              <a:t>4/20/18</a:t>
             </a:fld>
             <a:endParaRPr lang="en-US"/>
           </a:p>
@@ -913,7 +913,7 @@
           <a:p>
             <a:fld id="{18DCCD61-643D-44A5-A450-3A42A50CBC1E}" type="datetimeFigureOut">
               <a:rPr lang="en-US" smtClean="0"/>
-              <a:t>4/19/18</a:t>
+              <a:t>4/20/18</a:t>
             </a:fld>
             <a:endParaRPr lang="en-US"/>
           </a:p>
@@ -1091,7 +1091,7 @@
           <a:p>
             <a:fld id="{18DCCD61-643D-44A5-A450-3A42A50CBC1E}" type="datetimeFigureOut">
               <a:rPr lang="en-US" smtClean="0"/>
-              <a:t>4/19/18</a:t>
+              <a:t>4/20/18</a:t>
             </a:fld>
             <a:endParaRPr lang="en-US"/>
           </a:p>
@@ -1685,7 +1685,7 @@
           <a:p>
             <a:fld id="{18DCCD61-643D-44A5-A450-3A42A50CBC1E}" type="datetimeFigureOut">
               <a:rPr lang="en-US" smtClean="0"/>
-              <a:t>4/19/18</a:t>
+              <a:t>4/20/18</a:t>
             </a:fld>
             <a:endParaRPr lang="en-US"/>
           </a:p>
@@ -1853,7 +1853,7 @@
           <a:p>
             <a:fld id="{18DCCD61-643D-44A5-A450-3A42A50CBC1E}" type="datetimeFigureOut">
               <a:rPr lang="en-US" smtClean="0"/>
-              <a:t>4/19/18</a:t>
+              <a:t>4/20/18</a:t>
             </a:fld>
             <a:endParaRPr lang="en-US"/>
           </a:p>
@@ -2098,7 +2098,7 @@
           <a:p>
             <a:fld id="{18DCCD61-643D-44A5-A450-3A42A50CBC1E}" type="datetimeFigureOut">
               <a:rPr lang="en-US" smtClean="0"/>
-              <a:t>4/19/18</a:t>
+              <a:t>4/20/18</a:t>
             </a:fld>
             <a:endParaRPr lang="en-US"/>
           </a:p>
@@ -2383,7 +2383,7 @@
           <a:p>
             <a:fld id="{18DCCD61-643D-44A5-A450-3A42A50CBC1E}" type="datetimeFigureOut">
               <a:rPr lang="en-US" smtClean="0"/>
-              <a:t>4/19/18</a:t>
+              <a:t>4/20/18</a:t>
             </a:fld>
             <a:endParaRPr lang="en-US"/>
           </a:p>
@@ -2802,7 +2802,7 @@
           <a:p>
             <a:fld id="{18DCCD61-643D-44A5-A450-3A42A50CBC1E}" type="datetimeFigureOut">
               <a:rPr lang="en-US" smtClean="0"/>
-              <a:t>4/19/18</a:t>
+              <a:t>4/20/18</a:t>
             </a:fld>
             <a:endParaRPr lang="en-US"/>
           </a:p>
@@ -2919,7 +2919,7 @@
           <a:p>
             <a:fld id="{18DCCD61-643D-44A5-A450-3A42A50CBC1E}" type="datetimeFigureOut">
               <a:rPr lang="en-US" smtClean="0"/>
-              <a:t>4/19/18</a:t>
+              <a:t>4/20/18</a:t>
             </a:fld>
             <a:endParaRPr lang="en-US"/>
           </a:p>
@@ -3421,7 +3421,7 @@
           <a:p>
             <a:fld id="{18DCCD61-643D-44A5-A450-3A42A50CBC1E}" type="datetimeFigureOut">
               <a:rPr lang="en-US" smtClean="0"/>
-              <a:t>4/19/18</a:t>
+              <a:t>4/20/18</a:t>
             </a:fld>
             <a:endParaRPr lang="en-US"/>
           </a:p>
@@ -3905,7 +3905,7 @@
           <p:cNvPr id="3" name="Rechthoek 2">
             <a:extLst>
               <a:ext uri="{FF2B5EF4-FFF2-40B4-BE49-F238E27FC236}">
-                <a16:creationId xmlns="" xmlns:a16="http://schemas.microsoft.com/office/drawing/2014/main" id="{A908C342-6C39-4E18-BCFC-079BDB5133AA}"/>
+                <a16:creationId xmlns:a16="http://schemas.microsoft.com/office/drawing/2014/main" xmlns="" id="{A908C342-6C39-4E18-BCFC-079BDB5133AA}"/>
               </a:ext>
             </a:extLst>
           </p:cNvPr>
@@ -3976,7 +3976,7 @@
           <p:cNvPr id="1026" name="Picture 2" descr="Afbeeldingsresultaat voor chinese flag">
             <a:extLst>
               <a:ext uri="{FF2B5EF4-FFF2-40B4-BE49-F238E27FC236}">
-                <a16:creationId xmlns="" xmlns:a16="http://schemas.microsoft.com/office/drawing/2014/main" id="{BAF7CA41-8DBA-4683-8D1A-C286BE32225E}"/>
+                <a16:creationId xmlns:a16="http://schemas.microsoft.com/office/drawing/2014/main" xmlns="" id="{BAF7CA41-8DBA-4683-8D1A-C286BE32225E}"/>
               </a:ext>
             </a:extLst>
           </p:cNvPr>
@@ -4262,7 +4262,7 @@
           <p:cNvPr id="3" name="Afbeelding 2" descr="Afbeelding met schermafbeelding&#10;&#10;Beschrijving is gegenereerd met zeer hoge betrouwbaarheid">
             <a:extLst>
               <a:ext uri="{FF2B5EF4-FFF2-40B4-BE49-F238E27FC236}">
-                <a16:creationId xmlns="" xmlns:a16="http://schemas.microsoft.com/office/drawing/2014/main" id="{936DB4C8-62CA-4BFE-BC0E-F33653F1A464}"/>
+                <a16:creationId xmlns:a16="http://schemas.microsoft.com/office/drawing/2014/main" xmlns="" id="{936DB4C8-62CA-4BFE-BC0E-F33653F1A464}"/>
               </a:ext>
             </a:extLst>
           </p:cNvPr>
@@ -4328,7 +4328,7 @@
           <p:cNvPr id="2" name="Titel 1">
             <a:extLst>
               <a:ext uri="{FF2B5EF4-FFF2-40B4-BE49-F238E27FC236}">
-                <a16:creationId xmlns="" xmlns:a16="http://schemas.microsoft.com/office/drawing/2014/main" id="{992A9ADF-E0BB-4629-B181-613F7D950D95}"/>
+                <a16:creationId xmlns:a16="http://schemas.microsoft.com/office/drawing/2014/main" xmlns="" id="{992A9ADF-E0BB-4629-B181-613F7D950D95}"/>
               </a:ext>
             </a:extLst>
           </p:cNvPr>
@@ -4361,7 +4361,7 @@
           <p:cNvPr id="4" name="Tijdelijke aanduiding voor inhoud 3">
             <a:extLst>
               <a:ext uri="{FF2B5EF4-FFF2-40B4-BE49-F238E27FC236}">
-                <a16:creationId xmlns="" xmlns:a16="http://schemas.microsoft.com/office/drawing/2014/main" id="{A72E75F7-4441-45B4-AD87-D349186CDDBF}"/>
+                <a16:creationId xmlns:a16="http://schemas.microsoft.com/office/drawing/2014/main" xmlns="" id="{A72E75F7-4441-45B4-AD87-D349186CDDBF}"/>
               </a:ext>
             </a:extLst>
           </p:cNvPr>
@@ -4488,7 +4488,7 @@
           <p:cNvPr id="5" name="Afbeelding 4">
             <a:extLst>
               <a:ext uri="{FF2B5EF4-FFF2-40B4-BE49-F238E27FC236}">
-                <a16:creationId xmlns="" xmlns:a16="http://schemas.microsoft.com/office/drawing/2014/main" id="{013BD028-8E10-4A2D-8C20-69C4607A670D}"/>
+                <a16:creationId xmlns:a16="http://schemas.microsoft.com/office/drawing/2014/main" xmlns="" id="{013BD028-8E10-4A2D-8C20-69C4607A670D}"/>
               </a:ext>
             </a:extLst>
           </p:cNvPr>
@@ -4524,7 +4524,7 @@
           <p:cNvPr id="7" name="Afbeelding 6">
             <a:extLst>
               <a:ext uri="{FF2B5EF4-FFF2-40B4-BE49-F238E27FC236}">
-                <a16:creationId xmlns="" xmlns:a16="http://schemas.microsoft.com/office/drawing/2014/main" id="{8EDD42C8-88C9-4F58-811C-1B9D2D0FD9DB}"/>
+                <a16:creationId xmlns:a16="http://schemas.microsoft.com/office/drawing/2014/main" xmlns="" id="{8EDD42C8-88C9-4F58-811C-1B9D2D0FD9DB}"/>
               </a:ext>
             </a:extLst>
           </p:cNvPr>
@@ -4559,7 +4559,7 @@
           <p:cNvPr id="8" name="Afbeelding 7">
             <a:extLst>
               <a:ext uri="{FF2B5EF4-FFF2-40B4-BE49-F238E27FC236}">
-                <a16:creationId xmlns="" xmlns:a16="http://schemas.microsoft.com/office/drawing/2014/main" id="{DB19D0DA-5229-4A1A-BF4D-8EDA06918845}"/>
+                <a16:creationId xmlns:a16="http://schemas.microsoft.com/office/drawing/2014/main" xmlns="" id="{DB19D0DA-5229-4A1A-BF4D-8EDA06918845}"/>
               </a:ext>
             </a:extLst>
           </p:cNvPr>
@@ -4954,8 +4954,8 @@
         </p:blipFill>
         <p:spPr>
           <a:xfrm>
-            <a:off x="1829513" y="1729408"/>
-            <a:ext cx="7072786" cy="1224136"/>
+            <a:off x="179512" y="1763552"/>
+            <a:ext cx="8892480" cy="1539083"/>
           </a:xfrm>
         </p:spPr>
       </p:pic>
@@ -4968,7 +4968,7 @@
         <p:spPr>
           <a:xfrm>
             <a:off x="1829513" y="3122904"/>
-            <a:ext cx="6779096" cy="3231654"/>
+            <a:ext cx="6779096" cy="3508653"/>
           </a:xfrm>
           <a:prstGeom prst="rect">
             <a:avLst/>
@@ -4981,13 +4981,28 @@
           </a:bodyPr>
           <a:lstStyle/>
           <a:p>
+            <a:endParaRPr lang="nl-NL" dirty="0" smtClean="0"/>
+          </a:p>
+          <a:p>
             <a:r>
               <a:rPr lang="nl-NL" dirty="0" err="1" smtClean="0"/>
               <a:t>Spaceship</a:t>
             </a:r>
             <a:r>
               <a:rPr lang="nl-NL" dirty="0" smtClean="0"/>
-              <a:t> 1 heeft nog ‘veel’ volume over.</a:t>
+              <a:t> </a:t>
+            </a:r>
+            <a:r>
+              <a:rPr lang="nl-NL" dirty="0" smtClean="0"/>
+              <a:t>1 heeft nog </a:t>
+            </a:r>
+            <a:r>
+              <a:rPr lang="nl-NL" dirty="0" smtClean="0"/>
+              <a:t>veel </a:t>
+            </a:r>
+            <a:r>
+              <a:rPr lang="nl-NL" dirty="0" smtClean="0"/>
+              <a:t>volume over.</a:t>
             </a:r>
           </a:p>
           <a:p>
@@ -5106,7 +5121,7 @@
           <p:cNvPr id="7" name="Afbeelding 6" descr="Afbeelding met schermafbeelding&#10;&#10;Beschrijving is gegenereerd met zeer hoge betrouwbaarheid">
             <a:extLst>
               <a:ext uri="{FF2B5EF4-FFF2-40B4-BE49-F238E27FC236}">
-                <a16:creationId xmlns="" xmlns:a16="http://schemas.microsoft.com/office/drawing/2014/main" id="{936DB4C8-62CA-4BFE-BC0E-F33653F1A464}"/>
+                <a16:creationId xmlns:a16="http://schemas.microsoft.com/office/drawing/2014/main" xmlns="" id="{936DB4C8-62CA-4BFE-BC0E-F33653F1A464}"/>
               </a:ext>
             </a:extLst>
           </p:cNvPr>
@@ -5129,7 +5144,7 @@
         </p:blipFill>
         <p:spPr>
           <a:xfrm>
-            <a:off x="1829513" y="3646318"/>
+            <a:off x="1829513" y="3926590"/>
             <a:ext cx="6768244" cy="987037"/>
           </a:xfrm>
           <a:prstGeom prst="rect">
@@ -5336,6 +5351,9 @@
               <a:rPr lang="nl-NL" sz="1800" dirty="0" smtClean="0"/>
               <a:t>.</a:t>
             </a:r>
+          </a:p>
+          <a:p>
+            <a:endParaRPr lang="nl-NL" sz="1800" dirty="0"/>
           </a:p>
           <a:p>
             <a:endParaRPr lang="nl-NL" sz="1800" dirty="0"/>

--- a/presentaties/Space Freight week 2.pptx
+++ b/presentaties/Space Freight week 2.pptx
@@ -3905,7 +3905,7 @@
           <p:cNvPr id="3" name="Rechthoek 2">
             <a:extLst>
               <a:ext uri="{FF2B5EF4-FFF2-40B4-BE49-F238E27FC236}">
-                <a16:creationId xmlns:a16="http://schemas.microsoft.com/office/drawing/2014/main" xmlns="" id="{A908C342-6C39-4E18-BCFC-079BDB5133AA}"/>
+                <a16:creationId xmlns="" xmlns:a16="http://schemas.microsoft.com/office/drawing/2014/main" id="{A908C342-6C39-4E18-BCFC-079BDB5133AA}"/>
               </a:ext>
             </a:extLst>
           </p:cNvPr>
@@ -3976,7 +3976,7 @@
           <p:cNvPr id="1026" name="Picture 2" descr="Afbeeldingsresultaat voor chinese flag">
             <a:extLst>
               <a:ext uri="{FF2B5EF4-FFF2-40B4-BE49-F238E27FC236}">
-                <a16:creationId xmlns:a16="http://schemas.microsoft.com/office/drawing/2014/main" xmlns="" id="{BAF7CA41-8DBA-4683-8D1A-C286BE32225E}"/>
+                <a16:creationId xmlns="" xmlns:a16="http://schemas.microsoft.com/office/drawing/2014/main" id="{BAF7CA41-8DBA-4683-8D1A-C286BE32225E}"/>
               </a:ext>
             </a:extLst>
           </p:cNvPr>
@@ -4262,7 +4262,7 @@
           <p:cNvPr id="3" name="Afbeelding 2" descr="Afbeelding met schermafbeelding&#10;&#10;Beschrijving is gegenereerd met zeer hoge betrouwbaarheid">
             <a:extLst>
               <a:ext uri="{FF2B5EF4-FFF2-40B4-BE49-F238E27FC236}">
-                <a16:creationId xmlns:a16="http://schemas.microsoft.com/office/drawing/2014/main" xmlns="" id="{936DB4C8-62CA-4BFE-BC0E-F33653F1A464}"/>
+                <a16:creationId xmlns="" xmlns:a16="http://schemas.microsoft.com/office/drawing/2014/main" id="{936DB4C8-62CA-4BFE-BC0E-F33653F1A464}"/>
               </a:ext>
             </a:extLst>
           </p:cNvPr>
@@ -4328,7 +4328,7 @@
           <p:cNvPr id="2" name="Titel 1">
             <a:extLst>
               <a:ext uri="{FF2B5EF4-FFF2-40B4-BE49-F238E27FC236}">
-                <a16:creationId xmlns:a16="http://schemas.microsoft.com/office/drawing/2014/main" xmlns="" id="{992A9ADF-E0BB-4629-B181-613F7D950D95}"/>
+                <a16:creationId xmlns="" xmlns:a16="http://schemas.microsoft.com/office/drawing/2014/main" id="{992A9ADF-E0BB-4629-B181-613F7D950D95}"/>
               </a:ext>
             </a:extLst>
           </p:cNvPr>
@@ -4361,7 +4361,7 @@
           <p:cNvPr id="4" name="Tijdelijke aanduiding voor inhoud 3">
             <a:extLst>
               <a:ext uri="{FF2B5EF4-FFF2-40B4-BE49-F238E27FC236}">
-                <a16:creationId xmlns:a16="http://schemas.microsoft.com/office/drawing/2014/main" xmlns="" id="{A72E75F7-4441-45B4-AD87-D349186CDDBF}"/>
+                <a16:creationId xmlns="" xmlns:a16="http://schemas.microsoft.com/office/drawing/2014/main" id="{A72E75F7-4441-45B4-AD87-D349186CDDBF}"/>
               </a:ext>
             </a:extLst>
           </p:cNvPr>
@@ -4488,7 +4488,7 @@
           <p:cNvPr id="5" name="Afbeelding 4">
             <a:extLst>
               <a:ext uri="{FF2B5EF4-FFF2-40B4-BE49-F238E27FC236}">
-                <a16:creationId xmlns:a16="http://schemas.microsoft.com/office/drawing/2014/main" xmlns="" id="{013BD028-8E10-4A2D-8C20-69C4607A670D}"/>
+                <a16:creationId xmlns="" xmlns:a16="http://schemas.microsoft.com/office/drawing/2014/main" id="{013BD028-8E10-4A2D-8C20-69C4607A670D}"/>
               </a:ext>
             </a:extLst>
           </p:cNvPr>
@@ -4524,7 +4524,7 @@
           <p:cNvPr id="7" name="Afbeelding 6">
             <a:extLst>
               <a:ext uri="{FF2B5EF4-FFF2-40B4-BE49-F238E27FC236}">
-                <a16:creationId xmlns:a16="http://schemas.microsoft.com/office/drawing/2014/main" xmlns="" id="{8EDD42C8-88C9-4F58-811C-1B9D2D0FD9DB}"/>
+                <a16:creationId xmlns="" xmlns:a16="http://schemas.microsoft.com/office/drawing/2014/main" id="{8EDD42C8-88C9-4F58-811C-1B9D2D0FD9DB}"/>
               </a:ext>
             </a:extLst>
           </p:cNvPr>
@@ -4559,7 +4559,7 @@
           <p:cNvPr id="8" name="Afbeelding 7">
             <a:extLst>
               <a:ext uri="{FF2B5EF4-FFF2-40B4-BE49-F238E27FC236}">
-                <a16:creationId xmlns:a16="http://schemas.microsoft.com/office/drawing/2014/main" xmlns="" id="{DB19D0DA-5229-4A1A-BF4D-8EDA06918845}"/>
+                <a16:creationId xmlns="" xmlns:a16="http://schemas.microsoft.com/office/drawing/2014/main" id="{DB19D0DA-5229-4A1A-BF4D-8EDA06918845}"/>
               </a:ext>
             </a:extLst>
           </p:cNvPr>
@@ -4990,19 +4990,7 @@
             </a:r>
             <a:r>
               <a:rPr lang="nl-NL" dirty="0" smtClean="0"/>
-              <a:t> </a:t>
-            </a:r>
-            <a:r>
-              <a:rPr lang="nl-NL" dirty="0" smtClean="0"/>
-              <a:t>1 heeft nog </a:t>
-            </a:r>
-            <a:r>
-              <a:rPr lang="nl-NL" dirty="0" smtClean="0"/>
-              <a:t>veel </a:t>
-            </a:r>
-            <a:r>
-              <a:rPr lang="nl-NL" dirty="0" smtClean="0"/>
-              <a:t>volume over.</a:t>
+              <a:t> 1 heeft nog veel volume over.</a:t>
             </a:r>
           </a:p>
           <a:p>
@@ -5121,7 +5109,7 @@
           <p:cNvPr id="7" name="Afbeelding 6" descr="Afbeelding met schermafbeelding&#10;&#10;Beschrijving is gegenereerd met zeer hoge betrouwbaarheid">
             <a:extLst>
               <a:ext uri="{FF2B5EF4-FFF2-40B4-BE49-F238E27FC236}">
-                <a16:creationId xmlns:a16="http://schemas.microsoft.com/office/drawing/2014/main" xmlns="" id="{936DB4C8-62CA-4BFE-BC0E-F33653F1A464}"/>
+                <a16:creationId xmlns="" xmlns:a16="http://schemas.microsoft.com/office/drawing/2014/main" id="{936DB4C8-62CA-4BFE-BC0E-F33653F1A464}"/>
               </a:ext>
             </a:extLst>
           </p:cNvPr>
@@ -5356,10 +5344,11 @@
             <a:endParaRPr lang="nl-NL" sz="1800" dirty="0"/>
           </a:p>
           <a:p>
+            <a:r>
+              <a:rPr lang="nl-NL" sz="1800" smtClean="0"/>
+              <a:t>-  Door naar de volgende vragen.</a:t>
+            </a:r>
             <a:endParaRPr lang="nl-NL" sz="1800" dirty="0"/>
-          </a:p>
-          <a:p>
-            <a:endParaRPr lang="nl-NL" sz="1800" dirty="0" smtClean="0"/>
           </a:p>
         </p:txBody>
       </p:sp>
